--- a/Whitelisting behaviors v1.pptx
+++ b/Whitelisting behaviors v1.pptx
@@ -9856,7 +9856,7 @@
       </p:grpSpPr>
       <p:sp>
         <p:nvSpPr>
-          <p:cNvPr id="21" name="Rectangle 20">
+          <p:cNvPr id="33" name="Rectangle 32">
             <a:extLst>
               <a:ext uri="{FF2B5EF4-FFF2-40B4-BE49-F238E27FC236}">
                 <a16:creationId xmlns:a16="http://schemas.microsoft.com/office/drawing/2014/main" id="{39E3965E-AC41-4711-9D10-E25ABB132D86}"/>
@@ -9911,7 +9911,7 @@
       </p:sp>
       <p:cxnSp>
         <p:nvCxnSpPr>
-          <p:cNvPr id="23" name="Straight Connector 22">
+          <p:cNvPr id="35" name="Straight Connector 34">
             <a:extLst>
               <a:ext uri="{FF2B5EF4-FFF2-40B4-BE49-F238E27FC236}">
                 <a16:creationId xmlns:a16="http://schemas.microsoft.com/office/drawing/2014/main" id="{1F5DC8C3-BA5F-4EED-BB9A-A14272BD82A1}"/>
@@ -9964,12 +9964,12 @@
           </a:fontRef>
         </p:style>
       </p:cxnSp>
-      <p:sp useBgFill="1">
+      <p:sp>
         <p:nvSpPr>
-          <p:cNvPr id="25" name="Rectangle 24">
+          <p:cNvPr id="37" name="Rectangle 36">
             <a:extLst>
               <a:ext uri="{FF2B5EF4-FFF2-40B4-BE49-F238E27FC236}">
-                <a16:creationId xmlns:a16="http://schemas.microsoft.com/office/drawing/2014/main" id="{8C6E698C-8155-4B8B-BDC9-B7299772B509}"/>
+                <a16:creationId xmlns:a16="http://schemas.microsoft.com/office/drawing/2014/main" id="{0AF4F2BA-3C03-4E2C-8ABC-0949B61B3C5E}"/>
               </a:ext>
               <a:ext uri="{C183D7F6-B498-43B3-948B-1728B52AA6E4}">
                 <adec:decorative xmlns:adec="http://schemas.microsoft.com/office/drawing/2017/decorative" val="1"/>
@@ -9989,12 +9989,137 @@
         </p:nvSpPr>
         <p:spPr>
           <a:xfrm>
-            <a:off x="3048" y="0"/>
-            <a:ext cx="12188952" cy="6858000"/>
+            <a:off x="0" y="0"/>
+            <a:ext cx="12192000" cy="6858000"/>
           </a:xfrm>
           <a:prstGeom prst="rect">
             <a:avLst/>
           </a:prstGeom>
+          <a:solidFill>
+            <a:srgbClr val="000000"/>
+          </a:solidFill>
+          <a:ln>
+            <a:noFill/>
+          </a:ln>
+        </p:spPr>
+        <p:style>
+          <a:lnRef idx="2">
+            <a:schemeClr val="accent1">
+              <a:shade val="50000"/>
+            </a:schemeClr>
+          </a:lnRef>
+          <a:fillRef idx="1">
+            <a:schemeClr val="accent1"/>
+          </a:fillRef>
+          <a:effectRef idx="0">
+            <a:schemeClr val="accent1"/>
+          </a:effectRef>
+          <a:fontRef idx="minor">
+            <a:schemeClr val="lt1"/>
+          </a:fontRef>
+        </p:style>
+        <p:txBody>
+          <a:bodyPr rtlCol="0" anchor="ctr"/>
+          <a:lstStyle/>
+          <a:p>
+            <a:pPr algn="ctr"/>
+            <a:endParaRPr lang="en-US"/>
+          </a:p>
+        </p:txBody>
+      </p:sp>
+      <p:pic>
+        <p:nvPicPr>
+          <p:cNvPr id="29" name="Picture 28" descr="Abstract architecture">
+            <a:extLst>
+              <a:ext uri="{FF2B5EF4-FFF2-40B4-BE49-F238E27FC236}">
+                <a16:creationId xmlns:a16="http://schemas.microsoft.com/office/drawing/2014/main" id="{41E3E77A-C07A-4506-8707-487ADC2CFB79}"/>
+              </a:ext>
+            </a:extLst>
+          </p:cNvPr>
+          <p:cNvPicPr>
+            <a:picLocks noChangeAspect="1"/>
+          </p:cNvPicPr>
+          <p:nvPr/>
+        </p:nvPicPr>
+        <p:blipFill rotWithShape="1">
+          <a:blip r:embed="rId2">
+            <a:alphaModFix/>
+          </a:blip>
+          <a:srcRect b="14773"/>
+          <a:stretch/>
+        </p:blipFill>
+        <p:spPr>
+          <a:xfrm>
+            <a:off x="20" y="10"/>
+            <a:ext cx="12191980" cy="6857990"/>
+          </a:xfrm>
+          <a:prstGeom prst="rect">
+            <a:avLst/>
+          </a:prstGeom>
+        </p:spPr>
+      </p:pic>
+      <p:sp>
+        <p:nvSpPr>
+          <p:cNvPr id="39" name="Rectangle 38">
+            <a:extLst>
+              <a:ext uri="{FF2B5EF4-FFF2-40B4-BE49-F238E27FC236}">
+                <a16:creationId xmlns:a16="http://schemas.microsoft.com/office/drawing/2014/main" id="{4B986F88-1433-4AF7-AF71-41A89DC93F15}"/>
+              </a:ext>
+              <a:ext uri="{C183D7F6-B498-43B3-948B-1728B52AA6E4}">
+                <adec:decorative xmlns:adec="http://schemas.microsoft.com/office/drawing/2017/decorative" val="1"/>
+              </a:ext>
+            </a:extLst>
+          </p:cNvPr>
+          <p:cNvSpPr>
+            <a:spLocks noGrp="1" noRot="1" noChangeAspect="1" noMove="1" noResize="1" noEditPoints="1" noAdjustHandles="1" noChangeArrowheads="1" noChangeShapeType="1" noTextEdit="1"/>
+          </p:cNvSpPr>
+          <p:nvPr>
+            <p:extLst>
+              <p:ext uri="{386F3935-93C4-4BCD-93E2-E3B085C9AB24}">
+                <p16:designElem xmlns:p16="http://schemas.microsoft.com/office/powerpoint/2015/main" val="1"/>
+              </p:ext>
+            </p:extLst>
+          </p:nvPr>
+        </p:nvSpPr>
+        <p:spPr>
+          <a:xfrm>
+            <a:off x="0" y="2207602"/>
+            <a:ext cx="12191999" cy="3162146"/>
+          </a:xfrm>
+          <a:prstGeom prst="rect">
+            <a:avLst/>
+          </a:prstGeom>
+          <a:gradFill flip="none" rotWithShape="1">
+            <a:gsLst>
+              <a:gs pos="46064">
+                <a:srgbClr val="000000">
+                  <a:alpha val="30000"/>
+                </a:srgbClr>
+              </a:gs>
+              <a:gs pos="68000">
+                <a:srgbClr val="000000">
+                  <a:alpha val="20000"/>
+                </a:srgbClr>
+              </a:gs>
+              <a:gs pos="0">
+                <a:schemeClr val="tx1">
+                  <a:alpha val="0"/>
+                </a:schemeClr>
+              </a:gs>
+              <a:gs pos="26000">
+                <a:schemeClr val="tx1">
+                  <a:alpha val="20000"/>
+                </a:schemeClr>
+              </a:gs>
+              <a:gs pos="100000">
+                <a:schemeClr val="tx1">
+                  <a:alpha val="0"/>
+                </a:schemeClr>
+              </a:gs>
+            </a:gsLst>
+            <a:lin ang="16200000" scaled="1"/>
+            <a:tileRect/>
+          </a:gradFill>
           <a:ln>
             <a:noFill/>
           </a:ln>
@@ -10042,20 +10167,20 @@
         </p:nvSpPr>
         <p:spPr>
           <a:xfrm>
-            <a:off x="5220928" y="965200"/>
-            <a:ext cx="5999002" cy="4927600"/>
+            <a:off x="1097280" y="758952"/>
+            <a:ext cx="10058400" cy="3566160"/>
           </a:xfrm>
         </p:spPr>
         <p:txBody>
-          <a:bodyPr vert="horz" lIns="91440" tIns="45720" rIns="91440" bIns="45720" rtlCol="0" anchor="ctr">
+          <a:bodyPr vert="horz" lIns="91440" tIns="45720" rIns="91440" bIns="45720" rtlCol="0" anchor="b">
             <a:normAutofit/>
           </a:bodyPr>
           <a:lstStyle/>
           <a:p>
             <a:r>
-              <a:rPr lang="en-US" sz="7400" dirty="0">
+              <a:rPr lang="en-US" sz="8000">
                 <a:solidFill>
-                  <a:schemeClr val="tx2"/>
+                  <a:srgbClr val="FFFFFF"/>
                 </a:solidFill>
               </a:rPr>
               <a:t>Examples</a:t>
@@ -10063,12 +10188,64 @@
           </a:p>
         </p:txBody>
       </p:sp>
+      <p:cxnSp>
+        <p:nvCxnSpPr>
+          <p:cNvPr id="41" name="Straight Connector 40">
+            <a:extLst>
+              <a:ext uri="{FF2B5EF4-FFF2-40B4-BE49-F238E27FC236}">
+                <a16:creationId xmlns:a16="http://schemas.microsoft.com/office/drawing/2014/main" id="{A07787ED-5EDC-4C54-AD87-55B60D0FE397}"/>
+              </a:ext>
+              <a:ext uri="{C183D7F6-B498-43B3-948B-1728B52AA6E4}">
+                <adec:decorative xmlns:adec="http://schemas.microsoft.com/office/drawing/2017/decorative" val="1"/>
+              </a:ext>
+            </a:extLst>
+          </p:cNvPr>
+          <p:cNvCxnSpPr>
+            <a:cxnSpLocks noGrp="1" noRot="1" noChangeAspect="1" noMove="1" noResize="1" noEditPoints="1" noAdjustHandles="1" noChangeArrowheads="1" noChangeShapeType="1"/>
+          </p:cNvCxnSpPr>
+          <p:nvPr>
+            <p:extLst>
+              <p:ext uri="{386F3935-93C4-4BCD-93E2-E3B085C9AB24}">
+                <p16:designElem xmlns:p16="http://schemas.microsoft.com/office/powerpoint/2015/main" val="1"/>
+              </p:ext>
+            </p:extLst>
+          </p:nvPr>
+        </p:nvCxnSpPr>
+        <p:spPr>
+          <a:xfrm>
+            <a:off x="1207658" y="4474741"/>
+            <a:ext cx="9875520" cy="0"/>
+          </a:xfrm>
+          <a:prstGeom prst="line">
+            <a:avLst/>
+          </a:prstGeom>
+          <a:ln w="12700">
+            <a:solidFill>
+              <a:srgbClr val="FFFFFF"/>
+            </a:solidFill>
+          </a:ln>
+        </p:spPr>
+        <p:style>
+          <a:lnRef idx="1">
+            <a:schemeClr val="accent1"/>
+          </a:lnRef>
+          <a:fillRef idx="0">
+            <a:schemeClr val="accent1"/>
+          </a:fillRef>
+          <a:effectRef idx="0">
+            <a:schemeClr val="accent1"/>
+          </a:effectRef>
+          <a:fontRef idx="minor">
+            <a:schemeClr val="tx1"/>
+          </a:fontRef>
+        </p:style>
+      </p:cxnSp>
       <p:sp>
         <p:nvSpPr>
-          <p:cNvPr id="27" name="Rectangle 26">
+          <p:cNvPr id="43" name="Rectangle 42">
             <a:extLst>
               <a:ext uri="{FF2B5EF4-FFF2-40B4-BE49-F238E27FC236}">
-                <a16:creationId xmlns:a16="http://schemas.microsoft.com/office/drawing/2014/main" id="{0EEF5601-A8BC-411D-AA64-3E79320BA122}"/>
+                <a16:creationId xmlns:a16="http://schemas.microsoft.com/office/drawing/2014/main" id="{A44FFD5D-B985-4624-BBCD-50AD2E1686B4}"/>
               </a:ext>
               <a:ext uri="{C183D7F6-B498-43B3-948B-1728B52AA6E4}">
                 <adec:decorative xmlns:adec="http://schemas.microsoft.com/office/drawing/2017/decorative" val="1"/>
@@ -10086,17 +10263,34 @@
             </p:extLst>
           </p:nvPr>
         </p:nvSpPr>
-        <p:spPr bwMode="white">
+        <p:spPr>
           <a:xfrm>
-            <a:off x="0" y="0"/>
-            <a:ext cx="4584734" cy="6858000"/>
+            <a:off x="-2307" y="6400798"/>
+            <a:ext cx="12188952" cy="457201"/>
           </a:xfrm>
           <a:prstGeom prst="rect">
             <a:avLst/>
           </a:prstGeom>
-          <a:solidFill>
-            <a:srgbClr val="262626"/>
-          </a:solidFill>
+          <a:gradFill>
+            <a:gsLst>
+              <a:gs pos="61000">
+                <a:srgbClr val="000000">
+                  <a:alpha val="10000"/>
+                </a:srgbClr>
+              </a:gs>
+              <a:gs pos="7000">
+                <a:schemeClr val="tx1">
+                  <a:alpha val="0"/>
+                </a:schemeClr>
+              </a:gs>
+              <a:gs pos="100000">
+                <a:schemeClr val="tx1">
+                  <a:alpha val="40000"/>
+                </a:schemeClr>
+              </a:gs>
+            </a:gsLst>
+            <a:lin ang="5400000" scaled="1"/>
+          </a:gradFill>
           <a:ln>
             <a:noFill/>
           </a:ln>
@@ -10117,6 +10311,14 @@
             <a:schemeClr val="lt1"/>
           </a:fontRef>
         </p:style>
+        <p:txBody>
+          <a:bodyPr rtlCol="0" anchor="ctr"/>
+          <a:lstStyle/>
+          <a:p>
+            <a:pPr algn="ctr"/>
+            <a:endParaRPr lang="en-US"/>
+          </a:p>
+        </p:txBody>
       </p:sp>
     </p:spTree>
     <p:extLst>

--- a/Whitelisting behaviors v1.pptx
+++ b/Whitelisting behaviors v1.pptx
@@ -1756,7 +1756,7 @@
           </a:pPr>
           <a:r>
             <a:rPr lang="en-US" dirty="0"/>
-            <a:t>Value of self concluded intel</a:t>
+            <a:t>Value of own developed intel</a:t>
           </a:r>
         </a:p>
       </dgm:t>
@@ -2280,7 +2280,7 @@
           </a:pPr>
           <a:r>
             <a:rPr lang="en-US" sz="2800" kern="1200" dirty="0"/>
-            <a:t>Value of self concluded intel</a:t>
+            <a:t>Value of own developed intel</a:t>
           </a:r>
         </a:p>
       </dsp:txBody>
@@ -8638,6 +8638,101 @@
           <a:chExt cx="0" cy="0"/>
         </a:xfrm>
       </p:grpSpPr>
+      <p:sp useBgFill="1">
+        <p:nvSpPr>
+          <p:cNvPr id="38" name="Rectangle 37">
+            <a:extLst>
+              <a:ext uri="{FF2B5EF4-FFF2-40B4-BE49-F238E27FC236}">
+                <a16:creationId xmlns:a16="http://schemas.microsoft.com/office/drawing/2014/main" id="{34461041-8413-4023-ABA7-9E499B0AD995}"/>
+              </a:ext>
+              <a:ext uri="{C183D7F6-B498-43B3-948B-1728B52AA6E4}">
+                <adec:decorative xmlns:adec="http://schemas.microsoft.com/office/drawing/2017/decorative" val="1"/>
+              </a:ext>
+            </a:extLst>
+          </p:cNvPr>
+          <p:cNvSpPr>
+            <a:spLocks noGrp="1" noRot="1" noChangeAspect="1" noMove="1" noResize="1" noEditPoints="1" noAdjustHandles="1" noChangeArrowheads="1" noChangeShapeType="1" noTextEdit="1"/>
+          </p:cNvSpPr>
+          <p:nvPr>
+            <p:extLst>
+              <p:ext uri="{386F3935-93C4-4BCD-93E2-E3B085C9AB24}">
+                <p16:designElem xmlns:p16="http://schemas.microsoft.com/office/powerpoint/2015/main" val="1"/>
+              </p:ext>
+            </p:extLst>
+          </p:nvPr>
+        </p:nvSpPr>
+        <p:spPr>
+          <a:xfrm>
+            <a:off x="0" y="0"/>
+            <a:ext cx="12192001" cy="6858000"/>
+          </a:xfrm>
+          <a:prstGeom prst="rect">
+            <a:avLst/>
+          </a:prstGeom>
+          <a:ln>
+            <a:noFill/>
+          </a:ln>
+        </p:spPr>
+        <p:style>
+          <a:lnRef idx="2">
+            <a:schemeClr val="accent1">
+              <a:shade val="50000"/>
+            </a:schemeClr>
+          </a:lnRef>
+          <a:fillRef idx="1">
+            <a:schemeClr val="accent1"/>
+          </a:fillRef>
+          <a:effectRef idx="0">
+            <a:schemeClr val="accent1"/>
+          </a:effectRef>
+          <a:fontRef idx="minor">
+            <a:schemeClr val="lt1"/>
+          </a:fontRef>
+        </p:style>
+        <p:txBody>
+          <a:bodyPr rtlCol="0" anchor="ctr"/>
+          <a:lstStyle/>
+          <a:p>
+            <a:pPr algn="ctr"/>
+            <a:endParaRPr lang="en-US"/>
+          </a:p>
+        </p:txBody>
+      </p:sp>
+      <p:sp>
+        <p:nvSpPr>
+          <p:cNvPr id="2" name="Title 1">
+            <a:extLst>
+              <a:ext uri="{FF2B5EF4-FFF2-40B4-BE49-F238E27FC236}">
+                <a16:creationId xmlns:a16="http://schemas.microsoft.com/office/drawing/2014/main" id="{9AB2EA78-AEB3-469B-9025-3B17201A457B}"/>
+              </a:ext>
+            </a:extLst>
+          </p:cNvPr>
+          <p:cNvSpPr>
+            <a:spLocks noGrp="1"/>
+          </p:cNvSpPr>
+          <p:nvPr>
+            <p:ph type="ctrTitle"/>
+          </p:nvPr>
+        </p:nvSpPr>
+        <p:spPr>
+          <a:xfrm>
+            <a:off x="1187355" y="4374204"/>
+            <a:ext cx="9818390" cy="1029308"/>
+          </a:xfrm>
+        </p:spPr>
+        <p:txBody>
+          <a:bodyPr>
+            <a:normAutofit/>
+          </a:bodyPr>
+          <a:lstStyle/>
+          <a:p>
+            <a:r>
+              <a:rPr lang="en-US" sz="6000"/>
+              <a:t>Whitelisting behaviors</a:t>
+            </a:r>
+          </a:p>
+        </p:txBody>
+      </p:sp>
       <p:pic>
         <p:nvPicPr>
           <p:cNvPr id="6" name="Picture 5">
@@ -8668,20 +8763,75 @@
         </p:blipFill>
         <p:spPr>
           <a:xfrm>
-            <a:off x="16" y="10"/>
-            <a:ext cx="7556889" cy="6857990"/>
+            <a:off x="1181633" y="640080"/>
+            <a:ext cx="3850522" cy="3494428"/>
           </a:xfrm>
           <a:prstGeom prst="rect">
             <a:avLst/>
           </a:prstGeom>
         </p:spPr>
       </p:pic>
+      <p:cxnSp>
+        <p:nvCxnSpPr>
+          <p:cNvPr id="40" name="Straight Connector 39">
+            <a:extLst>
+              <a:ext uri="{FF2B5EF4-FFF2-40B4-BE49-F238E27FC236}">
+                <a16:creationId xmlns:a16="http://schemas.microsoft.com/office/drawing/2014/main" id="{F05BCF04-4702-43D0-BE8F-DBF6C2F65131}"/>
+              </a:ext>
+              <a:ext uri="{C183D7F6-B498-43B3-948B-1728B52AA6E4}">
+                <adec:decorative xmlns:adec="http://schemas.microsoft.com/office/drawing/2017/decorative" val="1"/>
+              </a:ext>
+            </a:extLst>
+          </p:cNvPr>
+          <p:cNvCxnSpPr>
+            <a:cxnSpLocks noGrp="1" noRot="1" noChangeAspect="1" noMove="1" noResize="1" noEditPoints="1" noAdjustHandles="1" noChangeArrowheads="1" noChangeShapeType="1"/>
+          </p:cNvCxnSpPr>
+          <p:nvPr>
+            <p:extLst>
+              <p:ext uri="{386F3935-93C4-4BCD-93E2-E3B085C9AB24}">
+                <p16:designElem xmlns:p16="http://schemas.microsoft.com/office/powerpoint/2015/main" val="1"/>
+              </p:ext>
+            </p:extLst>
+          </p:nvPr>
+        </p:nvCxnSpPr>
+        <p:spPr>
+          <a:xfrm>
+            <a:off x="1295400" y="5569068"/>
+            <a:ext cx="9601200" cy="0"/>
+          </a:xfrm>
+          <a:prstGeom prst="line">
+            <a:avLst/>
+          </a:prstGeom>
+          <a:ln w="12700">
+            <a:solidFill>
+              <a:schemeClr val="tx1">
+                <a:lumMod val="75000"/>
+                <a:lumOff val="25000"/>
+              </a:schemeClr>
+            </a:solidFill>
+          </a:ln>
+        </p:spPr>
+        <p:style>
+          <a:lnRef idx="1">
+            <a:schemeClr val="accent1"/>
+          </a:lnRef>
+          <a:fillRef idx="0">
+            <a:schemeClr val="accent1"/>
+          </a:fillRef>
+          <a:effectRef idx="0">
+            <a:schemeClr val="accent1"/>
+          </a:effectRef>
+          <a:fontRef idx="minor">
+            <a:schemeClr val="tx1"/>
+          </a:fontRef>
+        </p:style>
+      </p:cxnSp>
       <p:sp>
         <p:nvSpPr>
-          <p:cNvPr id="31" name="Rectangle 30">
+          <p:cNvPr id="42" name="Rectangle 41">
             <a:extLst>
               <a:ext uri="{FF2B5EF4-FFF2-40B4-BE49-F238E27FC236}">
-                <a16:creationId xmlns:a16="http://schemas.microsoft.com/office/drawing/2014/main" id="{6482F060-A4AF-4E0B-B364-7C6BA4AE9C03}"/>
+                <a16:creationId xmlns:a16="http://schemas.microsoft.com/office/drawing/2014/main" id="{53B4A494-ED20-47DD-A927-05EA273B0F1F}"/>
               </a:ext>
               <a:ext uri="{C183D7F6-B498-43B3-948B-1728B52AA6E4}">
                 <adec:decorative xmlns:adec="http://schemas.microsoft.com/office/drawing/2017/decorative" val="1"/>
@@ -8699,10 +8849,10 @@
             </p:extLst>
           </p:nvPr>
         </p:nvSpPr>
-        <p:spPr bwMode="white">
+        <p:spPr>
           <a:xfrm>
-            <a:off x="7556905" y="0"/>
-            <a:ext cx="4641315" cy="6858000"/>
+            <a:off x="0" y="6400800"/>
+            <a:ext cx="12192000" cy="457200"/>
           </a:xfrm>
           <a:prstGeom prst="rect">
             <a:avLst/>
@@ -8731,97 +8881,6 @@
           </a:fontRef>
         </p:style>
       </p:sp>
-      <p:sp>
-        <p:nvSpPr>
-          <p:cNvPr id="2" name="Title 1">
-            <a:extLst>
-              <a:ext uri="{FF2B5EF4-FFF2-40B4-BE49-F238E27FC236}">
-                <a16:creationId xmlns:a16="http://schemas.microsoft.com/office/drawing/2014/main" id="{9AB2EA78-AEB3-469B-9025-3B17201A457B}"/>
-              </a:ext>
-            </a:extLst>
-          </p:cNvPr>
-          <p:cNvSpPr>
-            <a:spLocks noGrp="1"/>
-          </p:cNvSpPr>
-          <p:nvPr>
-            <p:ph type="ctrTitle"/>
-          </p:nvPr>
-        </p:nvSpPr>
-        <p:spPr>
-          <a:xfrm>
-            <a:off x="8047939" y="640080"/>
-            <a:ext cx="3659246" cy="2850320"/>
-          </a:xfrm>
-        </p:spPr>
-        <p:txBody>
-          <a:bodyPr>
-            <a:normAutofit/>
-          </a:bodyPr>
-          <a:lstStyle/>
-          <a:p>
-            <a:r>
-              <a:rPr lang="en-US" sz="5400">
-                <a:solidFill>
-                  <a:srgbClr val="FFFFFF"/>
-                </a:solidFill>
-              </a:rPr>
-              <a:t>Whitelisting behaviors</a:t>
-            </a:r>
-          </a:p>
-        </p:txBody>
-      </p:sp>
-      <p:cxnSp>
-        <p:nvCxnSpPr>
-          <p:cNvPr id="33" name="Straight Connector 32">
-            <a:extLst>
-              <a:ext uri="{FF2B5EF4-FFF2-40B4-BE49-F238E27FC236}">
-                <a16:creationId xmlns:a16="http://schemas.microsoft.com/office/drawing/2014/main" id="{B9EB6DAA-2F0C-43D5-A577-15D5D2C4E3F5}"/>
-              </a:ext>
-              <a:ext uri="{C183D7F6-B498-43B3-948B-1728B52AA6E4}">
-                <adec:decorative xmlns:adec="http://schemas.microsoft.com/office/drawing/2017/decorative" val="1"/>
-              </a:ext>
-            </a:extLst>
-          </p:cNvPr>
-          <p:cNvCxnSpPr>
-            <a:cxnSpLocks noGrp="1" noRot="1" noChangeAspect="1" noMove="1" noResize="1" noEditPoints="1" noAdjustHandles="1" noChangeArrowheads="1" noChangeShapeType="1"/>
-          </p:cNvCxnSpPr>
-          <p:nvPr>
-            <p:extLst>
-              <p:ext uri="{386F3935-93C4-4BCD-93E2-E3B085C9AB24}">
-                <p16:designElem xmlns:p16="http://schemas.microsoft.com/office/powerpoint/2015/main" val="1"/>
-              </p:ext>
-            </p:extLst>
-          </p:nvPr>
-        </p:nvCxnSpPr>
-        <p:spPr>
-          <a:xfrm>
-            <a:off x="8185922" y="3651268"/>
-            <a:ext cx="3383280" cy="0"/>
-          </a:xfrm>
-          <a:prstGeom prst="line">
-            <a:avLst/>
-          </a:prstGeom>
-          <a:ln w="19050">
-            <a:solidFill>
-              <a:schemeClr val="accent1"/>
-            </a:solidFill>
-          </a:ln>
-        </p:spPr>
-        <p:style>
-          <a:lnRef idx="1">
-            <a:schemeClr val="accent1"/>
-          </a:lnRef>
-          <a:fillRef idx="0">
-            <a:schemeClr val="accent1"/>
-          </a:fillRef>
-          <a:effectRef idx="0">
-            <a:schemeClr val="accent1"/>
-          </a:effectRef>
-          <a:fontRef idx="minor">
-            <a:schemeClr val="tx1"/>
-          </a:fontRef>
-        </p:style>
-      </p:cxnSp>
     </p:spTree>
     <p:extLst>
       <p:ext uri="{BB962C8B-B14F-4D97-AF65-F5344CB8AC3E}">
@@ -8830,7 +8889,7 @@
     </p:extLst>
   </p:cSld>
   <p:clrMapOvr>
-    <a:overrideClrMapping bg1="dk1" tx1="lt1" bg2="dk2" tx2="lt2" accent1="accent1" accent2="accent2" accent3="accent3" accent4="accent4" accent5="accent5" accent6="accent6" hlink="hlink" folHlink="folHlink"/>
+    <a:masterClrMapping/>
   </p:clrMapOvr>
 </p:sld>
 </file>
@@ -9034,7 +9093,7 @@
             <p:ph idx="1"/>
             <p:extLst>
               <p:ext uri="{D42A27DB-BD31-4B8C-83A1-F6EECF244321}">
-                <p14:modId xmlns:p14="http://schemas.microsoft.com/office/powerpoint/2010/main" val="1088328786"/>
+                <p14:modId xmlns:p14="http://schemas.microsoft.com/office/powerpoint/2010/main" val="69385442"/>
               </p:ext>
             </p:extLst>
           </p:nvPr>
@@ -10746,24 +10805,6 @@
 </file>
 
 <file path=customXml/item1.xml><?xml version="1.0" encoding="utf-8"?>
-<p:properties xmlns:p="http://schemas.microsoft.com/office/2006/metadata/properties" xmlns:xsi="http://www.w3.org/2001/XMLSchema-instance" xmlns:pc="http://schemas.microsoft.com/office/infopath/2007/PartnerControls">
-  <documentManagement>
-    <Status xmlns="71af3243-3dd4-4a8d-8c0d-dd76da1f02a5">Not started</Status>
-    <MediaServiceKeyPoints xmlns="71af3243-3dd4-4a8d-8c0d-dd76da1f02a5" xsi:nil="true"/>
-  </documentManagement>
-</p:properties>
-</file>
-
-<file path=customXml/item2.xml><?xml version="1.0" encoding="utf-8"?>
-<?mso-contentType ?>
-<FormTemplates xmlns="http://schemas.microsoft.com/sharepoint/v3/contenttype/forms">
-  <Display>DocumentLibraryForm</Display>
-  <Edit>DocumentLibraryForm</Edit>
-  <New>DocumentLibraryForm</New>
-</FormTemplates>
-</file>
-
-<file path=customXml/item3.xml><?xml version="1.0" encoding="utf-8"?>
 <ct:contentTypeSchema xmlns:ct="http://schemas.microsoft.com/office/2006/metadata/contentType" xmlns:ma="http://schemas.microsoft.com/office/2006/metadata/properties/metaAttributes" ct:_="" ma:_="" ma:contentTypeName="Document" ma:contentTypeID="0x01010079F111ED35F8CC479449609E8A0923A6" ma:contentTypeVersion="12" ma:contentTypeDescription="Create a new document." ma:contentTypeScope="" ma:versionID="a410dd7f93c95333ffa1b60ed6adedd1">
   <xsd:schema xmlns:xsd="http://www.w3.org/2001/XMLSchema" xmlns:xs="http://www.w3.org/2001/XMLSchema" xmlns:p="http://schemas.microsoft.com/office/2006/metadata/properties" xmlns:ns2="71af3243-3dd4-4a8d-8c0d-dd76da1f02a5" xmlns:ns3="16c05727-aa75-4e4a-9b5f-8a80a1165891" targetNamespace="http://schemas.microsoft.com/office/2006/metadata/properties" ma:root="true" ma:fieldsID="a936d9baba76aa3866493feff160faab" ns2:_="" ns3:_="">
     <xsd:import namespace="71af3243-3dd4-4a8d-8c0d-dd76da1f02a5"/>
@@ -10984,25 +11025,25 @@
 </ct:contentTypeSchema>
 </file>
 
-<file path=customXml/itemProps1.xml><?xml version="1.0" encoding="utf-8"?>
-<ds:datastoreItem xmlns:ds="http://schemas.openxmlformats.org/officeDocument/2006/customXml" ds:itemID="{8F3CD65D-61A5-43C9-A837-6EC73C7DA8AB}">
-  <ds:schemaRefs>
-    <ds:schemaRef ds:uri="http://schemas.microsoft.com/office/2006/metadata/properties"/>
-    <ds:schemaRef ds:uri="http://schemas.microsoft.com/office/infopath/2007/PartnerControls"/>
-    <ds:schemaRef ds:uri="71af3243-3dd4-4a8d-8c0d-dd76da1f02a5"/>
-  </ds:schemaRefs>
-</ds:datastoreItem>
+<file path=customXml/item2.xml><?xml version="1.0" encoding="utf-8"?>
+<?mso-contentType ?>
+<FormTemplates xmlns="http://schemas.microsoft.com/sharepoint/v3/contenttype/forms">
+  <Display>DocumentLibraryForm</Display>
+  <Edit>DocumentLibraryForm</Edit>
+  <New>DocumentLibraryForm</New>
+</FormTemplates>
 </file>
 
-<file path=customXml/itemProps2.xml><?xml version="1.0" encoding="utf-8"?>
-<ds:datastoreItem xmlns:ds="http://schemas.openxmlformats.org/officeDocument/2006/customXml" ds:itemID="{31F006B4-A9E1-4F39-85C8-FB836F919348}">
-  <ds:schemaRefs>
-    <ds:schemaRef ds:uri="http://schemas.microsoft.com/sharepoint/v3/contenttype/forms"/>
-  </ds:schemaRefs>
-</ds:datastoreItem>
+<file path=customXml/item3.xml><?xml version="1.0" encoding="utf-8"?>
+<p:properties xmlns:p="http://schemas.microsoft.com/office/2006/metadata/properties" xmlns:xsi="http://www.w3.org/2001/XMLSchema-instance" xmlns:pc="http://schemas.microsoft.com/office/infopath/2007/PartnerControls">
+  <documentManagement>
+    <Status xmlns="71af3243-3dd4-4a8d-8c0d-dd76da1f02a5">Not started</Status>
+    <MediaServiceKeyPoints xmlns="71af3243-3dd4-4a8d-8c0d-dd76da1f02a5" xsi:nil="true"/>
+  </documentManagement>
+</p:properties>
 </file>
 
-<file path=customXml/itemProps3.xml><?xml version="1.0" encoding="utf-8"?>
+<file path=customXml/itemProps1.xml><?xml version="1.0" encoding="utf-8"?>
 <ds:datastoreItem xmlns:ds="http://schemas.openxmlformats.org/officeDocument/2006/customXml" ds:itemID="{16377351-63A1-4C2E-8C9A-66CDD70F16AC}">
   <ds:schemaRefs>
     <ds:schemaRef ds:uri="http://schemas.microsoft.com/office/2006/metadata/contentType"/>
@@ -11019,4 +11060,22 @@
     <ds:schemaRef ds:uri="http://schemas.microsoft.com/internal/obd"/>
   </ds:schemaRefs>
 </ds:datastoreItem>
+</file>
+
+<file path=customXml/itemProps2.xml><?xml version="1.0" encoding="utf-8"?>
+<ds:datastoreItem xmlns:ds="http://schemas.openxmlformats.org/officeDocument/2006/customXml" ds:itemID="{31F006B4-A9E1-4F39-85C8-FB836F919348}">
+  <ds:schemaRefs>
+    <ds:schemaRef ds:uri="http://schemas.microsoft.com/sharepoint/v3/contenttype/forms"/>
+  </ds:schemaRefs>
+</ds:datastoreItem>
+</file>
+
+<file path=customXml/itemProps3.xml><?xml version="1.0" encoding="utf-8"?>
+<ds:datastoreItem xmlns:ds="http://schemas.openxmlformats.org/officeDocument/2006/customXml" ds:itemID="{8F3CD65D-61A5-43C9-A837-6EC73C7DA8AB}">
+  <ds:schemaRefs>
+    <ds:schemaRef ds:uri="http://schemas.microsoft.com/office/2006/metadata/properties"/>
+    <ds:schemaRef ds:uri="http://schemas.microsoft.com/office/infopath/2007/PartnerControls"/>
+    <ds:schemaRef ds:uri="71af3243-3dd4-4a8d-8c0d-dd76da1f02a5"/>
+  </ds:schemaRefs>
+</ds:datastoreItem>
 </file>